--- a/project poster.pptx
+++ b/project poster.pptx
@@ -4944,7 +4944,7 @@
         </p:nvSpPr>
         <p:spPr>
           <a:xfrm>
-            <a:off x="1098407" y="35698294"/>
+            <a:off x="1098407" y="36258579"/>
             <a:ext cx="12486964" cy="1063367"/>
           </a:xfrm>
           <a:prstGeom prst="roundRect">
@@ -4999,7 +4999,7 @@
         </p:nvSpPr>
         <p:spPr>
           <a:xfrm>
-            <a:off x="1156657" y="37516517"/>
+            <a:off x="1156657" y="38223255"/>
             <a:ext cx="11398393" cy="2923877"/>
           </a:xfrm>
           <a:prstGeom prst="rect">
